--- a/docs/scrum/sprint1/Sprint 1 Review_Retrospective 06232015.pptx
+++ b/docs/scrum/sprint1/Sprint 1 Review_Retrospective 06232015.pptx
@@ -131,7 +131,7 @@
   </p:defaultTextStyle>
   <p:extLst>
     <p:ext uri="{EFAFB233-063F-42B5-8137-9DF3F51BA10A}">
-      <p15:sldGuideLst xmlns:p15="http://schemas.microsoft.com/office/powerpoint/2012/main">
+      <p15:sldGuideLst xmlns:p15="http://schemas.microsoft.com/office/powerpoint/2012/main" xmlns="">
         <p15:guide id="1" orient="horz" pos="3840">
           <p15:clr>
             <a:srgbClr val="A4A3A4"/>
@@ -5697,7 +5697,7 @@
             <a:fld id="{93F31936-34FB-46D7-8B5B-9A9CF58989DC}" type="datetimeFigureOut">
               <a:rPr lang="en-US" smtClean="0"/>
               <a:pPr/>
-              <a:t>6/24/2015</a:t>
+              <a:t>6/24/15</a:t>
             </a:fld>
             <a:endParaRPr lang="en-US"/>
           </a:p>
@@ -9116,7 +9116,7 @@
             <a:fld id="{31CC4B11-A6A5-4D9E-9368-043FB2A4AF23}" type="datetimeFigureOut">
               <a:rPr lang="en-US" smtClean="0"/>
               <a:pPr/>
-              <a:t>6/24/2015</a:t>
+              <a:t>6/24/15</a:t>
             </a:fld>
             <a:endParaRPr lang="en-US"/>
           </a:p>
@@ -9283,7 +9283,7 @@
             <a:fld id="{31CC4B11-A6A5-4D9E-9368-043FB2A4AF23}" type="datetimeFigureOut">
               <a:rPr lang="en-US" smtClean="0"/>
               <a:pPr/>
-              <a:t>6/24/2015</a:t>
+              <a:t>6/24/15</a:t>
             </a:fld>
             <a:endParaRPr lang="en-US"/>
           </a:p>
@@ -9460,7 +9460,7 @@
             <a:fld id="{31CC4B11-A6A5-4D9E-9368-043FB2A4AF23}" type="datetimeFigureOut">
               <a:rPr lang="en-US" smtClean="0"/>
               <a:pPr/>
-              <a:t>6/24/2015</a:t>
+              <a:t>6/24/15</a:t>
             </a:fld>
             <a:endParaRPr lang="en-US"/>
           </a:p>
@@ -9627,7 +9627,7 @@
             <a:fld id="{31CC4B11-A6A5-4D9E-9368-043FB2A4AF23}" type="datetimeFigureOut">
               <a:rPr lang="en-US" smtClean="0"/>
               <a:pPr/>
-              <a:t>6/24/2015</a:t>
+              <a:t>6/24/15</a:t>
             </a:fld>
             <a:endParaRPr lang="en-US"/>
           </a:p>
@@ -9870,7 +9870,7 @@
             <a:fld id="{31CC4B11-A6A5-4D9E-9368-043FB2A4AF23}" type="datetimeFigureOut">
               <a:rPr lang="en-US" smtClean="0"/>
               <a:pPr/>
-              <a:t>6/24/2015</a:t>
+              <a:t>6/24/15</a:t>
             </a:fld>
             <a:endParaRPr lang="en-US"/>
           </a:p>
@@ -10155,7 +10155,7 @@
             <a:fld id="{31CC4B11-A6A5-4D9E-9368-043FB2A4AF23}" type="datetimeFigureOut">
               <a:rPr lang="en-US" smtClean="0"/>
               <a:pPr/>
-              <a:t>6/24/2015</a:t>
+              <a:t>6/24/15</a:t>
             </a:fld>
             <a:endParaRPr lang="en-US"/>
           </a:p>
@@ -10574,7 +10574,7 @@
             <a:fld id="{31CC4B11-A6A5-4D9E-9368-043FB2A4AF23}" type="datetimeFigureOut">
               <a:rPr lang="en-US" smtClean="0"/>
               <a:pPr/>
-              <a:t>6/24/2015</a:t>
+              <a:t>6/24/15</a:t>
             </a:fld>
             <a:endParaRPr lang="en-US"/>
           </a:p>
@@ -10689,7 +10689,7 @@
             <a:fld id="{31CC4B11-A6A5-4D9E-9368-043FB2A4AF23}" type="datetimeFigureOut">
               <a:rPr lang="en-US" smtClean="0"/>
               <a:pPr/>
-              <a:t>6/24/2015</a:t>
+              <a:t>6/24/15</a:t>
             </a:fld>
             <a:endParaRPr lang="en-US"/>
           </a:p>
@@ -10781,7 +10781,7 @@
             <a:fld id="{31CC4B11-A6A5-4D9E-9368-043FB2A4AF23}" type="datetimeFigureOut">
               <a:rPr lang="en-US" smtClean="0"/>
               <a:pPr/>
-              <a:t>6/24/2015</a:t>
+              <a:t>6/24/15</a:t>
             </a:fld>
             <a:endParaRPr lang="en-US"/>
           </a:p>
@@ -11055,7 +11055,7 @@
             <a:fld id="{31CC4B11-A6A5-4D9E-9368-043FB2A4AF23}" type="datetimeFigureOut">
               <a:rPr lang="en-US" smtClean="0"/>
               <a:pPr/>
-              <a:t>6/24/2015</a:t>
+              <a:t>6/24/15</a:t>
             </a:fld>
             <a:endParaRPr lang="en-US"/>
           </a:p>
@@ -11309,7 +11309,7 @@
             <a:fld id="{31CC4B11-A6A5-4D9E-9368-043FB2A4AF23}" type="datetimeFigureOut">
               <a:rPr lang="en-US" smtClean="0"/>
               <a:pPr/>
-              <a:t>6/24/2015</a:t>
+              <a:t>6/24/15</a:t>
             </a:fld>
             <a:endParaRPr lang="en-US"/>
           </a:p>
@@ -11533,7 +11533,7 @@
             <a:fld id="{31CC4B11-A6A5-4D9E-9368-043FB2A4AF23}" type="datetimeFigureOut">
               <a:rPr lang="en-US" smtClean="0"/>
               <a:pPr/>
-              <a:t>6/24/2015</a:t>
+              <a:t>6/24/15</a:t>
             </a:fld>
             <a:endParaRPr lang="en-US"/>
           </a:p>
@@ -12462,7 +12462,7 @@
   <p:timing>
     <p:tnLst>
       <p:par>
-        <p:cTn id="1" dur="indefinite" restart="never" nodeType="tmRoot"/>
+        <p:cTn xmlns:p14="http://schemas.microsoft.com/office/powerpoint/2010/main" id="1" dur="indefinite" restart="never" nodeType="tmRoot"/>
       </p:par>
     </p:tnLst>
   </p:timing>
@@ -12588,14 +12588,14 @@
           <a:effectLst/>
           <a:extLst>
             <a:ext uri="{909E8E84-426E-40dd-AFC4-6F175D3DCCD1}">
-              <a14:hiddenFill xmlns:a14="http://schemas.microsoft.com/office/drawing/2010/main" xmlns="">
+              <a14:hiddenFill xmlns:a14="http://schemas.microsoft.com/office/drawing/2010/main">
                 <a:solidFill>
                   <a:schemeClr val="accent1"/>
                 </a:solidFill>
               </a14:hiddenFill>
             </a:ext>
             <a:ext uri="{91240B29-F687-4f45-9708-019B960494DF}">
-              <a14:hiddenLine xmlns:a14="http://schemas.microsoft.com/office/drawing/2010/main" xmlns="" w="9525">
+              <a14:hiddenLine xmlns:a14="http://schemas.microsoft.com/office/drawing/2010/main" w="9525">
                 <a:solidFill>
                   <a:schemeClr val="tx1"/>
                 </a:solidFill>
@@ -12605,7 +12605,7 @@
               </a14:hiddenLine>
             </a:ext>
             <a:ext uri="{AF507438-7753-43e0-B8FC-AC1667EBCBE1}">
-              <a14:hiddenEffects xmlns:a14="http://schemas.microsoft.com/office/drawing/2010/main" xmlns="">
+              <a14:hiddenEffects xmlns:a14="http://schemas.microsoft.com/office/drawing/2010/main">
                 <a:effectLst>
                   <a:outerShdw dist="35921" dir="2700000" algn="ctr" rotWithShape="0">
                     <a:schemeClr val="bg2"/>
@@ -12873,7 +12873,7 @@
   <p:timing>
     <p:tnLst>
       <p:par>
-        <p:cTn id="1" dur="indefinite" restart="never" nodeType="tmRoot"/>
+        <p:cTn xmlns:p14="http://schemas.microsoft.com/office/powerpoint/2010/main" id="1" dur="indefinite" restart="never" nodeType="tmRoot"/>
       </p:par>
     </p:tnLst>
   </p:timing>
@@ -13039,16 +13039,11 @@
               <a:rPr lang="en-US" dirty="0" smtClean="0"/>
               <a:t>UI tested with user community, determine more user instructions are needed. </a:t>
             </a:r>
-            <a:endParaRPr lang="en-US" dirty="0" smtClean="0"/>
           </a:p>
           <a:p>
             <a:r>
               <a:rPr lang="en-US" dirty="0" smtClean="0"/>
-              <a:t>Story will be added for </a:t>
-            </a:r>
-            <a:r>
-              <a:rPr lang="en-US" dirty="0" smtClean="0"/>
-              <a:t>Sprint 2. </a:t>
+              <a:t>Story will be added for Sprint 2. </a:t>
             </a:r>
             <a:endParaRPr lang="en-US" dirty="0"/>
           </a:p>
@@ -13067,7 +13062,7 @@
   <p:timing>
     <p:tnLst>
       <p:par>
-        <p:cTn id="1" dur="indefinite" restart="never" nodeType="tmRoot"/>
+        <p:cTn xmlns:p14="http://schemas.microsoft.com/office/powerpoint/2010/main" id="1" dur="indefinite" restart="never" nodeType="tmRoot"/>
       </p:par>
     </p:tnLst>
   </p:timing>
@@ -13237,7 +13232,7 @@
   <p:timing>
     <p:tnLst>
       <p:par>
-        <p:cTn id="1" dur="indefinite" restart="never" nodeType="tmRoot"/>
+        <p:cTn xmlns:p14="http://schemas.microsoft.com/office/powerpoint/2010/main" id="1" dur="indefinite" restart="never" nodeType="tmRoot"/>
       </p:par>
     </p:tnLst>
   </p:timing>
@@ -13407,7 +13402,7 @@
   <p:timing>
     <p:tnLst>
       <p:par>
-        <p:cTn id="1" dur="indefinite" restart="never" nodeType="tmRoot"/>
+        <p:cTn xmlns:p14="http://schemas.microsoft.com/office/powerpoint/2010/main" id="1" dur="indefinite" restart="never" nodeType="tmRoot"/>
       </p:par>
     </p:tnLst>
   </p:timing>
@@ -13577,7 +13572,7 @@
   <p:timing>
     <p:tnLst>
       <p:par>
-        <p:cTn id="1" dur="indefinite" restart="never" nodeType="tmRoot"/>
+        <p:cTn xmlns:p14="http://schemas.microsoft.com/office/powerpoint/2010/main" id="1" dur="indefinite" restart="never" nodeType="tmRoot"/>
       </p:par>
     </p:tnLst>
   </p:timing>
@@ -13747,7 +13742,7 @@
   <p:timing>
     <p:tnLst>
       <p:par>
-        <p:cTn id="1" dur="indefinite" restart="never" nodeType="tmRoot"/>
+        <p:cTn xmlns:p14="http://schemas.microsoft.com/office/powerpoint/2010/main" id="1" dur="indefinite" restart="never" nodeType="tmRoot"/>
       </p:par>
     </p:tnLst>
   </p:timing>
@@ -13917,7 +13912,7 @@
   <p:timing>
     <p:tnLst>
       <p:par>
-        <p:cTn id="1" dur="indefinite" restart="never" nodeType="tmRoot"/>
+        <p:cTn xmlns:p14="http://schemas.microsoft.com/office/powerpoint/2010/main" id="1" dur="indefinite" restart="never" nodeType="tmRoot"/>
       </p:par>
     </p:tnLst>
   </p:timing>
@@ -14055,14 +14050,14 @@
           </a:ln>
           <a:extLst>
             <a:ext uri="{909E8E84-426E-40dd-AFC4-6F175D3DCCD1}">
-              <a14:hiddenFill xmlns:a14="http://schemas.microsoft.com/office/drawing/2010/main" xmlns="">
+              <a14:hiddenFill xmlns:a14="http://schemas.microsoft.com/office/drawing/2010/main">
                 <a:solidFill>
                   <a:srgbClr val="FFFFFF"/>
                 </a:solidFill>
               </a14:hiddenFill>
             </a:ext>
             <a:ext uri="{91240B29-F687-4f45-9708-019B960494DF}">
-              <a14:hiddenLine xmlns:a14="http://schemas.microsoft.com/office/drawing/2010/main" xmlns="" w="9525">
+              <a14:hiddenLine xmlns:a14="http://schemas.microsoft.com/office/drawing/2010/main" w="9525">
                 <a:solidFill>
                   <a:srgbClr val="000000"/>
                 </a:solidFill>
@@ -14087,7 +14082,7 @@
   <p:timing>
     <p:tnLst>
       <p:par>
-        <p:cTn id="1" dur="indefinite" restart="never" nodeType="tmRoot"/>
+        <p:cTn xmlns:p14="http://schemas.microsoft.com/office/powerpoint/2010/main" id="1" dur="indefinite" restart="never" nodeType="tmRoot"/>
       </p:par>
     </p:tnLst>
   </p:timing>
@@ -14421,7 +14416,7 @@
   <p:timing>
     <p:tnLst>
       <p:par>
-        <p:cTn id="1" dur="indefinite" restart="never" nodeType="tmRoot"/>
+        <p:cTn xmlns:p14="http://schemas.microsoft.com/office/powerpoint/2010/main" id="1" dur="indefinite" restart="never" nodeType="tmRoot"/>
       </p:par>
     </p:tnLst>
   </p:timing>
@@ -14601,7 +14596,7 @@
   <p:timing>
     <p:tnLst>
       <p:par>
-        <p:cTn id="1" dur="indefinite" restart="never" nodeType="tmRoot"/>
+        <p:cTn xmlns:p14="http://schemas.microsoft.com/office/powerpoint/2010/main" id="1" dur="indefinite" restart="never" nodeType="tmRoot"/>
       </p:par>
     </p:tnLst>
   </p:timing>
@@ -14650,11 +14645,7 @@
             <a:pPr eaLnBrk="1" hangingPunct="1"/>
             <a:r>
               <a:rPr lang="en-US" sz="2000" dirty="0" smtClean="0"/>
-              <a:t>Goals/Definition of </a:t>
-            </a:r>
-            <a:r>
-              <a:rPr lang="en-US" sz="2000" dirty="0" smtClean="0"/>
-              <a:t>Done/Name of Product</a:t>
+              <a:t>Goals/Definition of Done/Name of Product</a:t>
             </a:r>
             <a:endParaRPr lang="en-US" sz="2000" dirty="0"/>
           </a:p>
@@ -14662,13 +14653,8 @@
             <a:pPr eaLnBrk="1" hangingPunct="1"/>
             <a:r>
               <a:rPr lang="en-US" sz="2000" dirty="0" smtClean="0"/>
-              <a:t>Artifacts: </a:t>
+              <a:t>Artifacts: Status</a:t>
             </a:r>
-            <a:r>
-              <a:rPr lang="en-US" sz="2000" dirty="0" smtClean="0"/>
-              <a:t>Status</a:t>
-            </a:r>
-            <a:endParaRPr lang="en-US" sz="2000" dirty="0" smtClean="0"/>
           </a:p>
           <a:p>
             <a:pPr eaLnBrk="1" hangingPunct="1"/>
@@ -14688,13 +14674,8 @@
             <a:pPr eaLnBrk="1" hangingPunct="1"/>
             <a:r>
               <a:rPr lang="en-US" sz="2000" dirty="0" smtClean="0"/>
-              <a:t>Architectural </a:t>
+              <a:t>Architectural Diagrams</a:t>
             </a:r>
-            <a:r>
-              <a:rPr lang="en-US" sz="2000" dirty="0" smtClean="0"/>
-              <a:t>Diagrams</a:t>
-            </a:r>
-            <a:endParaRPr lang="en-US" sz="2000" dirty="0" smtClean="0"/>
           </a:p>
           <a:p>
             <a:pPr eaLnBrk="1" hangingPunct="1"/>
@@ -14716,29 +14697,19 @@
               <a:rPr lang="en-US" sz="2000" dirty="0" smtClean="0"/>
               <a:t>Sprint 1 Demonstration</a:t>
             </a:r>
-            <a:endParaRPr lang="en-US" sz="2000" dirty="0" smtClean="0"/>
           </a:p>
           <a:p>
             <a:pPr eaLnBrk="1" hangingPunct="1"/>
             <a:r>
               <a:rPr lang="en-US" sz="2000" dirty="0" smtClean="0"/>
-              <a:t>Sprint </a:t>
+              <a:t>Sprint 1 Stories</a:t>
             </a:r>
-            <a:r>
-              <a:rPr lang="en-US" sz="2000" dirty="0" smtClean="0"/>
-              <a:t>1 Stories</a:t>
-            </a:r>
-            <a:endParaRPr lang="en-US" sz="2000" dirty="0" smtClean="0"/>
           </a:p>
           <a:p>
             <a:pPr eaLnBrk="1" hangingPunct="1"/>
             <a:r>
               <a:rPr lang="en-US" sz="2000" dirty="0" smtClean="0"/>
-              <a:t>Sprint </a:t>
-            </a:r>
-            <a:r>
-              <a:rPr lang="en-US" sz="2000" dirty="0" smtClean="0"/>
-              <a:t>1 </a:t>
+              <a:t>Sprint 1 </a:t>
             </a:r>
             <a:r>
               <a:rPr lang="en-US" sz="2000" dirty="0" err="1" smtClean="0"/>
@@ -14748,7 +14719,6 @@
               <a:rPr lang="en-US" sz="2000" dirty="0" smtClean="0"/>
               <a:t> Chart</a:t>
             </a:r>
-            <a:endParaRPr lang="en-US" sz="2000" dirty="0" smtClean="0"/>
           </a:p>
           <a:p>
             <a:pPr eaLnBrk="1" hangingPunct="1"/>
@@ -14873,7 +14843,7 @@
   <p:timing>
     <p:tnLst>
       <p:par>
-        <p:cTn id="1" dur="indefinite" restart="never" nodeType="tmRoot"/>
+        <p:cTn xmlns:p14="http://schemas.microsoft.com/office/powerpoint/2010/main" id="1" dur="indefinite" restart="never" nodeType="tmRoot"/>
       </p:par>
     </p:tnLst>
   </p:timing>
@@ -15546,7 +15516,7 @@
   <p:timing>
     <p:tnLst>
       <p:par>
-        <p:cTn id="1" dur="indefinite" restart="never" nodeType="tmRoot"/>
+        <p:cTn xmlns:p14="http://schemas.microsoft.com/office/powerpoint/2010/main" id="1" dur="indefinite" restart="never" nodeType="tmRoot"/>
       </p:par>
     </p:tnLst>
   </p:timing>
@@ -15672,14 +15642,14 @@
           <a:effectLst/>
           <a:extLst>
             <a:ext uri="{909E8E84-426E-40dd-AFC4-6F175D3DCCD1}">
-              <a14:hiddenFill xmlns:a14="http://schemas.microsoft.com/office/drawing/2010/main" xmlns="">
+              <a14:hiddenFill xmlns:a14="http://schemas.microsoft.com/office/drawing/2010/main">
                 <a:solidFill>
                   <a:schemeClr val="accent1"/>
                 </a:solidFill>
               </a14:hiddenFill>
             </a:ext>
             <a:ext uri="{91240B29-F687-4f45-9708-019B960494DF}">
-              <a14:hiddenLine xmlns:a14="http://schemas.microsoft.com/office/drawing/2010/main" xmlns="" w="9525">
+              <a14:hiddenLine xmlns:a14="http://schemas.microsoft.com/office/drawing/2010/main" w="9525">
                 <a:solidFill>
                   <a:schemeClr val="tx1"/>
                 </a:solidFill>
@@ -15689,7 +15659,7 @@
               </a14:hiddenLine>
             </a:ext>
             <a:ext uri="{AF507438-7753-43e0-B8FC-AC1667EBCBE1}">
-              <a14:hiddenEffects xmlns:a14="http://schemas.microsoft.com/office/drawing/2010/main" xmlns="">
+              <a14:hiddenEffects xmlns:a14="http://schemas.microsoft.com/office/drawing/2010/main">
                 <a:effectLst>
                   <a:outerShdw dist="35921" dir="2700000" algn="ctr" rotWithShape="0">
                     <a:schemeClr val="bg2"/>
@@ -15904,7 +15874,7 @@
   <p:timing>
     <p:tnLst>
       <p:par>
-        <p:cTn id="1" dur="indefinite" restart="never" nodeType="tmRoot"/>
+        <p:cTn xmlns:p14="http://schemas.microsoft.com/office/powerpoint/2010/main" id="1" dur="indefinite" restart="never" nodeType="tmRoot"/>
       </p:par>
     </p:tnLst>
   </p:timing>
@@ -16042,14 +16012,14 @@
           </a:ln>
           <a:extLst>
             <a:ext uri="{909E8E84-426E-40dd-AFC4-6F175D3DCCD1}">
-              <a14:hiddenFill xmlns:a14="http://schemas.microsoft.com/office/drawing/2010/main" xmlns="">
+              <a14:hiddenFill xmlns:a14="http://schemas.microsoft.com/office/drawing/2010/main">
                 <a:solidFill>
                   <a:srgbClr val="FFFFFF"/>
                 </a:solidFill>
               </a14:hiddenFill>
             </a:ext>
             <a:ext uri="{91240B29-F687-4f45-9708-019B960494DF}">
-              <a14:hiddenLine xmlns:a14="http://schemas.microsoft.com/office/drawing/2010/main" xmlns="" w="9525">
+              <a14:hiddenLine xmlns:a14="http://schemas.microsoft.com/office/drawing/2010/main" w="9525">
                 <a:solidFill>
                   <a:srgbClr val="000000"/>
                 </a:solidFill>
@@ -16074,7 +16044,7 @@
   <p:timing>
     <p:tnLst>
       <p:par>
-        <p:cTn id="1" dur="indefinite" restart="never" nodeType="tmRoot"/>
+        <p:cTn xmlns:p14="http://schemas.microsoft.com/office/powerpoint/2010/main" id="1" dur="indefinite" restart="never" nodeType="tmRoot"/>
       </p:par>
     </p:tnLst>
   </p:timing>
@@ -16146,7 +16116,7 @@
   <p:timing>
     <p:tnLst>
       <p:par>
-        <p:cTn id="1" dur="indefinite" restart="never" nodeType="tmRoot"/>
+        <p:cTn xmlns:p14="http://schemas.microsoft.com/office/powerpoint/2010/main" id="1" dur="indefinite" restart="never" nodeType="tmRoot"/>
       </p:par>
     </p:tnLst>
   </p:timing>
@@ -16272,14 +16242,14 @@
           <a:effectLst/>
           <a:extLst>
             <a:ext uri="{909E8E84-426E-40dd-AFC4-6F175D3DCCD1}">
-              <a14:hiddenFill xmlns:a14="http://schemas.microsoft.com/office/drawing/2010/main" xmlns="">
+              <a14:hiddenFill xmlns:a14="http://schemas.microsoft.com/office/drawing/2010/main">
                 <a:solidFill>
                   <a:schemeClr val="accent1"/>
                 </a:solidFill>
               </a14:hiddenFill>
             </a:ext>
             <a:ext uri="{91240B29-F687-4f45-9708-019B960494DF}">
-              <a14:hiddenLine xmlns:a14="http://schemas.microsoft.com/office/drawing/2010/main" xmlns="" w="9525">
+              <a14:hiddenLine xmlns:a14="http://schemas.microsoft.com/office/drawing/2010/main" w="9525">
                 <a:solidFill>
                   <a:schemeClr val="tx1"/>
                 </a:solidFill>
@@ -16289,7 +16259,7 @@
               </a14:hiddenLine>
             </a:ext>
             <a:ext uri="{AF507438-7753-43e0-B8FC-AC1667EBCBE1}">
-              <a14:hiddenEffects xmlns:a14="http://schemas.microsoft.com/office/drawing/2010/main" xmlns="">
+              <a14:hiddenEffects xmlns:a14="http://schemas.microsoft.com/office/drawing/2010/main">
                 <a:effectLst>
                   <a:outerShdw dist="35921" dir="2700000" algn="ctr" rotWithShape="0">
                     <a:schemeClr val="bg2"/>
@@ -16500,7 +16470,13 @@
               <a:rPr lang="en-US" dirty="0" smtClean="0">
                 <a:latin typeface="+mn-lt"/>
               </a:rPr>
-              <a:t>Establish Testing Plan and implement</a:t>
+              <a:t>Finalize Testing </a:t>
+            </a:r>
+            <a:r>
+              <a:rPr lang="en-US" dirty="0" smtClean="0">
+                <a:latin typeface="+mn-lt"/>
+              </a:rPr>
+              <a:t>Plan and implement</a:t>
             </a:r>
           </a:p>
           <a:p>
@@ -16687,7 +16663,7 @@
   <p:timing>
     <p:tnLst>
       <p:par>
-        <p:cTn id="1" dur="indefinite" restart="never" nodeType="tmRoot"/>
+        <p:cTn xmlns:p14="http://schemas.microsoft.com/office/powerpoint/2010/main" id="1" dur="indefinite" restart="never" nodeType="tmRoot"/>
       </p:par>
     </p:tnLst>
   </p:timing>
@@ -16806,7 +16782,7 @@
         </p:nvGraphicFramePr>
         <p:xfrm>
           <a:off x="533399" y="1066800"/>
-          <a:ext cx="7961672" cy="4526731"/>
+          <a:ext cx="7961672" cy="4696358"/>
         </p:xfrm>
         <a:graphic>
           <a:graphicData uri="http://schemas.openxmlformats.org/drawingml/2006/table">
@@ -17699,7 +17675,7 @@
   <p:timing>
     <p:tnLst>
       <p:par>
-        <p:cTn id="1" dur="indefinite" restart="never" nodeType="tmRoot"/>
+        <p:cTn xmlns:p14="http://schemas.microsoft.com/office/powerpoint/2010/main" id="1" dur="indefinite" restart="never" nodeType="tmRoot"/>
       </p:par>
     </p:tnLst>
   </p:timing>
@@ -17837,7 +17813,7 @@
   <p:timing>
     <p:tnLst>
       <p:par>
-        <p:cTn id="1" dur="indefinite" restart="never" nodeType="tmRoot"/>
+        <p:cTn xmlns:p14="http://schemas.microsoft.com/office/powerpoint/2010/main" id="1" dur="indefinite" restart="never" nodeType="tmRoot"/>
       </p:par>
     </p:tnLst>
   </p:timing>
@@ -18020,7 +17996,7 @@
   <p:timing>
     <p:tnLst>
       <p:par>
-        <p:cTn id="1" dur="indefinite" restart="never" nodeType="tmRoot"/>
+        <p:cTn xmlns:p14="http://schemas.microsoft.com/office/powerpoint/2010/main" id="1" dur="indefinite" restart="never" nodeType="tmRoot"/>
       </p:par>
     </p:tnLst>
   </p:timing>
@@ -18160,7 +18136,7 @@
   <p:timing>
     <p:tnLst>
       <p:par>
-        <p:cTn id="1" dur="indefinite" restart="never" nodeType="tmRoot"/>
+        <p:cTn xmlns:p14="http://schemas.microsoft.com/office/powerpoint/2010/main" id="1" dur="indefinite" restart="never" nodeType="tmRoot"/>
       </p:par>
     </p:tnLst>
   </p:timing>
@@ -18373,7 +18349,7 @@
   <p:timing>
     <p:tnLst>
       <p:par>
-        <p:cTn id="1" dur="indefinite" restart="never" nodeType="tmRoot"/>
+        <p:cTn xmlns:p14="http://schemas.microsoft.com/office/powerpoint/2010/main" id="1" dur="indefinite" restart="never" nodeType="tmRoot"/>
       </p:par>
     </p:tnLst>
   </p:timing>
@@ -18499,14 +18475,14 @@
           <a:effectLst/>
           <a:extLst>
             <a:ext uri="{909E8E84-426E-40dd-AFC4-6F175D3DCCD1}">
-              <a14:hiddenFill xmlns:a14="http://schemas.microsoft.com/office/drawing/2010/main" xmlns="">
+              <a14:hiddenFill xmlns:a14="http://schemas.microsoft.com/office/drawing/2010/main">
                 <a:solidFill>
                   <a:schemeClr val="accent1"/>
                 </a:solidFill>
               </a14:hiddenFill>
             </a:ext>
             <a:ext uri="{91240B29-F687-4f45-9708-019B960494DF}">
-              <a14:hiddenLine xmlns:a14="http://schemas.microsoft.com/office/drawing/2010/main" xmlns="" w="9525">
+              <a14:hiddenLine xmlns:a14="http://schemas.microsoft.com/office/drawing/2010/main" w="9525">
                 <a:solidFill>
                   <a:schemeClr val="tx1"/>
                 </a:solidFill>
@@ -18516,7 +18492,7 @@
               </a14:hiddenLine>
             </a:ext>
             <a:ext uri="{AF507438-7753-43e0-B8FC-AC1667EBCBE1}">
-              <a14:hiddenEffects xmlns:a14="http://schemas.microsoft.com/office/drawing/2010/main" xmlns="">
+              <a14:hiddenEffects xmlns:a14="http://schemas.microsoft.com/office/drawing/2010/main">
                 <a:effectLst>
                   <a:outerShdw dist="35921" dir="2700000" algn="ctr" rotWithShape="0">
                     <a:schemeClr val="bg2"/>
@@ -18764,14 +18740,14 @@
           <a:effectLst/>
           <a:extLst>
             <a:ext uri="{909E8E84-426E-40dd-AFC4-6F175D3DCCD1}">
-              <a14:hiddenFill xmlns:a14="http://schemas.microsoft.com/office/drawing/2010/main" xmlns="">
+              <a14:hiddenFill xmlns:a14="http://schemas.microsoft.com/office/drawing/2010/main">
                 <a:solidFill>
                   <a:schemeClr val="accent1"/>
                 </a:solidFill>
               </a14:hiddenFill>
             </a:ext>
             <a:ext uri="{91240B29-F687-4f45-9708-019B960494DF}">
-              <a14:hiddenLine xmlns:a14="http://schemas.microsoft.com/office/drawing/2010/main" xmlns="" w="9525">
+              <a14:hiddenLine xmlns:a14="http://schemas.microsoft.com/office/drawing/2010/main" w="9525">
                 <a:solidFill>
                   <a:schemeClr val="tx1"/>
                 </a:solidFill>
@@ -18781,7 +18757,7 @@
               </a14:hiddenLine>
             </a:ext>
             <a:ext uri="{AF507438-7753-43e0-B8FC-AC1667EBCBE1}">
-              <a14:hiddenEffects xmlns:a14="http://schemas.microsoft.com/office/drawing/2010/main" xmlns="">
+              <a14:hiddenEffects xmlns:a14="http://schemas.microsoft.com/office/drawing/2010/main">
                 <a:effectLst>
                   <a:outerShdw dist="35921" dir="2700000" algn="ctr" rotWithShape="0">
                     <a:schemeClr val="bg2"/>
@@ -19064,14 +19040,14 @@
           <a:effectLst/>
           <a:extLst>
             <a:ext uri="{909E8E84-426E-40dd-AFC4-6F175D3DCCD1}">
-              <a14:hiddenFill xmlns:a14="http://schemas.microsoft.com/office/drawing/2010/main" xmlns="">
+              <a14:hiddenFill xmlns:a14="http://schemas.microsoft.com/office/drawing/2010/main">
                 <a:solidFill>
                   <a:schemeClr val="accent1"/>
                 </a:solidFill>
               </a14:hiddenFill>
             </a:ext>
             <a:ext uri="{91240B29-F687-4f45-9708-019B960494DF}">
-              <a14:hiddenLine xmlns:a14="http://schemas.microsoft.com/office/drawing/2010/main" xmlns="" w="9525">
+              <a14:hiddenLine xmlns:a14="http://schemas.microsoft.com/office/drawing/2010/main" w="9525">
                 <a:solidFill>
                   <a:schemeClr val="tx1"/>
                 </a:solidFill>
@@ -19081,7 +19057,7 @@
               </a14:hiddenLine>
             </a:ext>
             <a:ext uri="{AF507438-7753-43e0-B8FC-AC1667EBCBE1}">
-              <a14:hiddenEffects xmlns:a14="http://schemas.microsoft.com/office/drawing/2010/main" xmlns="">
+              <a14:hiddenEffects xmlns:a14="http://schemas.microsoft.com/office/drawing/2010/main">
                 <a:effectLst>
                   <a:outerShdw dist="35921" dir="2700000" algn="ctr" rotWithShape="0">
                     <a:schemeClr val="bg2"/>
@@ -19299,7 +19275,7 @@
   <p:timing>
     <p:tnLst>
       <p:par>
-        <p:cTn id="1" dur="indefinite" restart="never" nodeType="tmRoot"/>
+        <p:cTn xmlns:p14="http://schemas.microsoft.com/office/powerpoint/2010/main" id="1" dur="indefinite" restart="never" nodeType="tmRoot"/>
       </p:par>
     </p:tnLst>
   </p:timing>
